--- a/信號與系統實習_心跳信號量測.pptx
+++ b/信號與系統實習_心跳信號量測.pptx
@@ -6,18 +6,12 @@
   </p:sldMasterIdLst>
   <p:sldIdLst>
     <p:sldId id="256" r:id="rId2"/>
-    <p:sldId id="257" r:id="rId3"/>
-    <p:sldId id="258" r:id="rId4"/>
-    <p:sldId id="259" r:id="rId5"/>
-    <p:sldId id="261" r:id="rId6"/>
-    <p:sldId id="262" r:id="rId7"/>
-    <p:sldId id="263" r:id="rId8"/>
-    <p:sldId id="264" r:id="rId9"/>
-    <p:sldId id="265" r:id="rId10"/>
-    <p:sldId id="267" r:id="rId11"/>
-    <p:sldId id="273" r:id="rId12"/>
-    <p:sldId id="274" r:id="rId13"/>
-    <p:sldId id="272" r:id="rId14"/>
+    <p:sldId id="258" r:id="rId3"/>
+    <p:sldId id="261" r:id="rId4"/>
+    <p:sldId id="262" r:id="rId5"/>
+    <p:sldId id="267" r:id="rId6"/>
+    <p:sldId id="273" r:id="rId7"/>
+    <p:sldId id="272" r:id="rId8"/>
   </p:sldIdLst>
   <p:sldSz cx="12192000" cy="6858000"/>
   <p:notesSz cx="6858000" cy="9144000"/>
@@ -345,7 +339,7 @@
                 <a:uFillTx/>
               </a:rPr>
               <a:pPr/>
-              <a:t>12/14/2015</a:t>
+              <a:t>12/18/2019</a:t>
             </a:fld>
             <a:endParaRPr lang="en-US" dirty="0">
               <a:uFillTx/>
@@ -709,7 +703,7 @@
                 <a:uFillTx/>
               </a:rPr>
               <a:pPr/>
-              <a:t>12/14/2015</a:t>
+              <a:t>12/18/2019</a:t>
             </a:fld>
             <a:endParaRPr lang="en-US" dirty="0">
               <a:uFillTx/>
@@ -1147,7 +1141,7 @@
                 <a:uFillTx/>
               </a:rPr>
               <a:pPr/>
-              <a:t>12/14/2015</a:t>
+              <a:t>12/18/2019</a:t>
             </a:fld>
             <a:endParaRPr lang="en-US" dirty="0">
               <a:uFillTx/>
@@ -1507,7 +1501,7 @@
                 <a:uFillTx/>
               </a:rPr>
               <a:pPr/>
-              <a:t>12/14/2015</a:t>
+              <a:t>12/18/2019</a:t>
             </a:fld>
             <a:endParaRPr lang="en-US" dirty="0">
               <a:uFillTx/>
@@ -1856,7 +1850,7 @@
                 <a:uFillTx/>
               </a:rPr>
               <a:pPr/>
-              <a:t>12/14/2015</a:t>
+              <a:t>12/18/2019</a:t>
             </a:fld>
             <a:endParaRPr lang="en-US" dirty="0">
               <a:uFillTx/>
@@ -2287,7 +2281,7 @@
                 <a:uFillTx/>
               </a:rPr>
               <a:pPr/>
-              <a:t>12/14/2015</a:t>
+              <a:t>12/18/2019</a:t>
             </a:fld>
             <a:endParaRPr lang="en-US" dirty="0">
               <a:uFillTx/>
@@ -2568,7 +2562,7 @@
               <a:rPr lang="en-US" smtClean="0">
                 <a:uFillTx/>
               </a:rPr>
-              <a:t>12/14/2015</a:t>
+              <a:t>12/18/2019</a:t>
             </a:fld>
             <a:endParaRPr lang="en-US" dirty="0">
               <a:uFillTx/>
@@ -2854,7 +2848,7 @@
                 <a:uFillTx/>
               </a:rPr>
               <a:pPr/>
-              <a:t>12/14/2015</a:t>
+              <a:t>12/18/2019</a:t>
             </a:fld>
             <a:endParaRPr lang="en-US" dirty="0">
               <a:uFillTx/>
@@ -3141,7 +3135,7 @@
                 <a:uFillTx/>
               </a:rPr>
               <a:pPr/>
-              <a:t>12/14/2015</a:t>
+              <a:t>12/18/2019</a:t>
             </a:fld>
             <a:endParaRPr lang="en-US" dirty="0">
               <a:uFillTx/>
@@ -3496,7 +3490,7 @@
                 <a:uFillTx/>
               </a:rPr>
               <a:pPr/>
-              <a:t>12/14/2015</a:t>
+              <a:t>12/18/2019</a:t>
             </a:fld>
             <a:endParaRPr lang="en-US" dirty="0">
               <a:uFillTx/>
@@ -3855,7 +3849,7 @@
               <a:rPr lang="en-US" smtClean="0">
                 <a:uFillTx/>
               </a:rPr>
-              <a:t>12/14/2015</a:t>
+              <a:t>12/18/2019</a:t>
             </a:fld>
             <a:endParaRPr lang="en-US" dirty="0">
               <a:uFillTx/>
@@ -4388,7 +4382,7 @@
                 <a:uFillTx/>
               </a:rPr>
               <a:pPr/>
-              <a:t>12/14/2015</a:t>
+              <a:t>12/18/2019</a:t>
             </a:fld>
             <a:endParaRPr lang="en-US" dirty="0">
               <a:uFillTx/>
@@ -4606,7 +4600,7 @@
                 <a:uFillTx/>
               </a:rPr>
               <a:pPr/>
-              <a:t>12/14/2015</a:t>
+              <a:t>12/18/2019</a:t>
             </a:fld>
             <a:endParaRPr lang="en-US" dirty="0">
               <a:uFillTx/>
@@ -4792,7 +4786,7 @@
                 <a:uFillTx/>
               </a:rPr>
               <a:pPr/>
-              <a:t>12/14/2015</a:t>
+              <a:t>12/18/2019</a:t>
             </a:fld>
             <a:endParaRPr lang="en-US" dirty="0">
               <a:uFillTx/>
@@ -5171,7 +5165,7 @@
               <a:rPr lang="en-US" smtClean="0">
                 <a:uFillTx/>
               </a:rPr>
-              <a:t>12/14/2015</a:t>
+              <a:t>12/18/2019</a:t>
             </a:fld>
             <a:endParaRPr lang="en-US" dirty="0">
               <a:uFillTx/>
@@ -5572,7 +5566,7 @@
                 <a:uFillTx/>
               </a:rPr>
               <a:pPr/>
-              <a:t>12/14/2015</a:t>
+              <a:t>12/18/2019</a:t>
             </a:fld>
             <a:endParaRPr lang="en-US" dirty="0">
               <a:uFillTx/>
@@ -7765,7 +7759,7 @@
                 <a:uFillTx/>
               </a:rPr>
               <a:pPr/>
-              <a:t>12/14/2015</a:t>
+              <a:t>12/18/2019</a:t>
             </a:fld>
             <a:endParaRPr lang="en-US" dirty="0">
               <a:uFillTx/>
@@ -8431,17 +8425,17 @@
               <a:t>：</a:t>
             </a:r>
             <a:r>
-              <a:rPr lang="en-US" altLang="zh-TW" dirty="0" smtClean="0">
+              <a:rPr lang="en-US" altLang="zh-TW" smtClean="0">
                 <a:latin typeface="+mn-ea"/>
               </a:rPr>
               <a:t>12</a:t>
             </a:r>
             <a:r>
-              <a:rPr lang="en-US" altLang="zh-TW" dirty="0" smtClean="0">
+              <a:rPr lang="en-US" altLang="zh-TW" smtClean="0">
                 <a:uFillTx/>
                 <a:latin typeface="+mn-ea"/>
               </a:rPr>
-              <a:t>/15-1/5</a:t>
+              <a:t>/19-1/2</a:t>
             </a:r>
             <a:endParaRPr lang="zh-TW" altLang="en-US" dirty="0">
               <a:uFillTx/>
@@ -8449,381 +8443,6 @@
           </a:p>
         </p:txBody>
       </p:sp>
-    </p:spTree>
-  </p:cSld>
-  <p:clrMapOvr>
-    <a:masterClrMapping/>
-  </p:clrMapOvr>
-</p:sld>
-</file>
-
-<file path=ppt/slides/slide10.xml><?xml version="1.0" encoding="utf-8"?>
-<p:sld xmlns:a="http://schemas.openxmlformats.org/drawingml/2006/main" xmlns:r="http://schemas.openxmlformats.org/officeDocument/2006/relationships" xmlns:p="http://schemas.openxmlformats.org/presentationml/2006/main">
-  <p:cSld>
-    <p:spTree>
-      <p:nvGrpSpPr>
-        <p:cNvPr id="1" name=""/>
-        <p:cNvGrpSpPr/>
-        <p:nvPr/>
-      </p:nvGrpSpPr>
-      <p:grpSpPr>
-        <a:xfrm>
-          <a:off x="0" y="0"/>
-          <a:ext cx="0" cy="0"/>
-          <a:chOff x="0" y="0"/>
-          <a:chExt cx="0" cy="0"/>
-        </a:xfrm>
-      </p:grpSpPr>
-      <p:sp>
-        <p:nvSpPr>
-          <p:cNvPr id="2" name="標題 1"/>
-          <p:cNvSpPr>
-            <a:spLocks noGrp="1"/>
-          </p:cNvSpPr>
-          <p:nvPr>
-            <p:ph type="title"/>
-          </p:nvPr>
-        </p:nvSpPr>
-        <p:spPr/>
-        <p:txBody>
-          <a:bodyPr/>
-          <a:lstStyle/>
-          <a:p>
-            <a:r>
-              <a:rPr lang="en-US" altLang="zh-TW" dirty="0"/>
-              <a:t>KSM014_HeartBeat_Module</a:t>
-            </a:r>
-            <a:endParaRPr lang="zh-TW" altLang="en-US" dirty="0">
-              <a:uFillTx/>
-            </a:endParaRPr>
-          </a:p>
-        </p:txBody>
-      </p:sp>
-      <p:pic>
-        <p:nvPicPr>
-          <p:cNvPr id="6" name="圖片 5"/>
-          <p:cNvPicPr>
-            <a:picLocks noChangeAspect="1"/>
-          </p:cNvPicPr>
-          <p:nvPr/>
-        </p:nvPicPr>
-        <p:blipFill>
-          <a:blip r:embed="rId2"/>
-          <a:stretch>
-            <a:fillRect/>
-          </a:stretch>
-        </p:blipFill>
-        <p:spPr>
-          <a:xfrm>
-            <a:off x="2871658" y="5106943"/>
-            <a:ext cx="4615765" cy="923153"/>
-          </a:xfrm>
-          <a:prstGeom prst="rect">
-            <a:avLst/>
-          </a:prstGeom>
-        </p:spPr>
-      </p:pic>
-      <p:pic>
-        <p:nvPicPr>
-          <p:cNvPr id="7" name="圖片 6"/>
-          <p:cNvPicPr>
-            <a:picLocks noChangeAspect="1"/>
-          </p:cNvPicPr>
-          <p:nvPr/>
-        </p:nvPicPr>
-        <p:blipFill>
-          <a:blip r:embed="rId3"/>
-          <a:stretch>
-            <a:fillRect/>
-          </a:stretch>
-        </p:blipFill>
-        <p:spPr>
-          <a:xfrm>
-            <a:off x="2871659" y="1588136"/>
-            <a:ext cx="4427066" cy="3385072"/>
-          </a:xfrm>
-          <a:prstGeom prst="rect">
-            <a:avLst/>
-          </a:prstGeom>
-        </p:spPr>
-      </p:pic>
-    </p:spTree>
-  </p:cSld>
-  <p:clrMapOvr>
-    <a:masterClrMapping/>
-  </p:clrMapOvr>
-  <p:timing>
-    <p:tnLst>
-      <p:par>
-        <p:cTn id="1" dur="indefinite" restart="never" nodeType="tmRoot"/>
-      </p:par>
-    </p:tnLst>
-  </p:timing>
-</p:sld>
-</file>
-
-<file path=ppt/slides/slide11.xml><?xml version="1.0" encoding="utf-8"?>
-<p:sld xmlns:a="http://schemas.openxmlformats.org/drawingml/2006/main" xmlns:r="http://schemas.openxmlformats.org/officeDocument/2006/relationships" xmlns:p="http://schemas.openxmlformats.org/presentationml/2006/main">
-  <p:cSld>
-    <p:spTree>
-      <p:nvGrpSpPr>
-        <p:cNvPr id="1" name=""/>
-        <p:cNvGrpSpPr/>
-        <p:nvPr/>
-      </p:nvGrpSpPr>
-      <p:grpSpPr>
-        <a:xfrm>
-          <a:off x="0" y="0"/>
-          <a:ext cx="0" cy="0"/>
-          <a:chOff x="0" y="0"/>
-          <a:chExt cx="0" cy="0"/>
-        </a:xfrm>
-      </p:grpSpPr>
-      <p:sp>
-        <p:nvSpPr>
-          <p:cNvPr id="2" name="標題 1"/>
-          <p:cNvSpPr>
-            <a:spLocks noGrp="1"/>
-          </p:cNvSpPr>
-          <p:nvPr>
-            <p:ph type="title"/>
-          </p:nvPr>
-        </p:nvSpPr>
-        <p:spPr/>
-        <p:txBody>
-          <a:bodyPr/>
-          <a:lstStyle/>
-          <a:p>
-            <a:r>
-              <a:rPr lang="en-US" altLang="zh-TW" dirty="0"/>
-              <a:t>Arduino</a:t>
-            </a:r>
-            <a:r>
-              <a:rPr lang="zh-TW" altLang="en-US" dirty="0"/>
-              <a:t>類比接收</a:t>
-            </a:r>
-            <a:endParaRPr lang="zh-TW" altLang="en-US" dirty="0">
-              <a:uFillTx/>
-            </a:endParaRPr>
-          </a:p>
-        </p:txBody>
-      </p:sp>
-      <p:pic>
-        <p:nvPicPr>
-          <p:cNvPr id="3" name="圖片 2"/>
-          <p:cNvPicPr>
-            <a:picLocks noChangeAspect="1"/>
-          </p:cNvPicPr>
-          <p:nvPr/>
-        </p:nvPicPr>
-        <p:blipFill rotWithShape="1">
-          <a:blip r:embed="rId2"/>
-          <a:srcRect r="6119" b="12193"/>
-          <a:stretch/>
-        </p:blipFill>
-        <p:spPr>
-          <a:xfrm>
-            <a:off x="2938914" y="1381990"/>
-            <a:ext cx="7347689" cy="5150614"/>
-          </a:xfrm>
-          <a:prstGeom prst="rect">
-            <a:avLst/>
-          </a:prstGeom>
-        </p:spPr>
-      </p:pic>
-    </p:spTree>
-    <p:extLst>
-      <p:ext uri="{BB962C8B-B14F-4D97-AF65-F5344CB8AC3E}">
-        <p14:creationId xmlns:p14="http://schemas.microsoft.com/office/powerpoint/2010/main" val="1101295753"/>
-      </p:ext>
-    </p:extLst>
-  </p:cSld>
-  <p:clrMapOvr>
-    <a:masterClrMapping/>
-  </p:clrMapOvr>
-  <p:timing>
-    <p:tnLst>
-      <p:par>
-        <p:cTn id="1" dur="indefinite" restart="never" nodeType="tmRoot"/>
-      </p:par>
-    </p:tnLst>
-  </p:timing>
-</p:sld>
-</file>
-
-<file path=ppt/slides/slide12.xml><?xml version="1.0" encoding="utf-8"?>
-<p:sld xmlns:a="http://schemas.openxmlformats.org/drawingml/2006/main" xmlns:r="http://schemas.openxmlformats.org/officeDocument/2006/relationships" xmlns:p="http://schemas.openxmlformats.org/presentationml/2006/main">
-  <p:cSld>
-    <p:spTree>
-      <p:nvGrpSpPr>
-        <p:cNvPr id="1" name=""/>
-        <p:cNvGrpSpPr/>
-        <p:nvPr/>
-      </p:nvGrpSpPr>
-      <p:grpSpPr>
-        <a:xfrm>
-          <a:off x="0" y="0"/>
-          <a:ext cx="0" cy="0"/>
-          <a:chOff x="0" y="0"/>
-          <a:chExt cx="0" cy="0"/>
-        </a:xfrm>
-      </p:grpSpPr>
-      <p:sp>
-        <p:nvSpPr>
-          <p:cNvPr id="2" name="標題 1"/>
-          <p:cNvSpPr>
-            <a:spLocks noGrp="1"/>
-          </p:cNvSpPr>
-          <p:nvPr>
-            <p:ph type="title"/>
-          </p:nvPr>
-        </p:nvSpPr>
-        <p:spPr/>
-        <p:txBody>
-          <a:bodyPr/>
-          <a:lstStyle/>
-          <a:p>
-            <a:r>
-              <a:rPr lang="en-US" altLang="zh-TW" dirty="0" smtClean="0"/>
-              <a:t>Serial</a:t>
-            </a:r>
-            <a:r>
-              <a:rPr lang="zh-TW" altLang="en-US" dirty="0" smtClean="0"/>
-              <a:t>資料傳遞</a:t>
-            </a:r>
-            <a:endParaRPr lang="zh-TW" altLang="en-US" dirty="0"/>
-          </a:p>
-        </p:txBody>
-      </p:sp>
-      <p:pic>
-        <p:nvPicPr>
-          <p:cNvPr id="5" name="圖片 4"/>
-          <p:cNvPicPr>
-            <a:picLocks noChangeAspect="1"/>
-          </p:cNvPicPr>
-          <p:nvPr/>
-        </p:nvPicPr>
-        <p:blipFill>
-          <a:blip r:embed="rId2"/>
-          <a:stretch>
-            <a:fillRect/>
-          </a:stretch>
-        </p:blipFill>
-        <p:spPr>
-          <a:xfrm>
-            <a:off x="2800618" y="1553347"/>
-            <a:ext cx="4248150" cy="4229100"/>
-          </a:xfrm>
-          <a:prstGeom prst="rect">
-            <a:avLst/>
-          </a:prstGeom>
-        </p:spPr>
-      </p:pic>
-      <p:pic>
-        <p:nvPicPr>
-          <p:cNvPr id="6" name="圖片 5"/>
-          <p:cNvPicPr>
-            <a:picLocks noChangeAspect="1"/>
-          </p:cNvPicPr>
-          <p:nvPr/>
-        </p:nvPicPr>
-        <p:blipFill rotWithShape="1">
-          <a:blip r:embed="rId3"/>
-          <a:srcRect t="1432"/>
-          <a:stretch/>
-        </p:blipFill>
-        <p:spPr>
-          <a:xfrm>
-            <a:off x="7088197" y="2858529"/>
-            <a:ext cx="4376986" cy="2835489"/>
-          </a:xfrm>
-          <a:prstGeom prst="rect">
-            <a:avLst/>
-          </a:prstGeom>
-        </p:spPr>
-      </p:pic>
-    </p:spTree>
-    <p:extLst>
-      <p:ext uri="{BB962C8B-B14F-4D97-AF65-F5344CB8AC3E}">
-        <p14:creationId xmlns:p14="http://schemas.microsoft.com/office/powerpoint/2010/main" val="1134553370"/>
-      </p:ext>
-    </p:extLst>
-  </p:cSld>
-  <p:clrMapOvr>
-    <a:masterClrMapping/>
-  </p:clrMapOvr>
-</p:sld>
-</file>
-
-<file path=ppt/slides/slide13.xml><?xml version="1.0" encoding="utf-8"?>
-<p:sld xmlns:a="http://schemas.openxmlformats.org/drawingml/2006/main" xmlns:r="http://schemas.openxmlformats.org/officeDocument/2006/relationships" xmlns:p="http://schemas.openxmlformats.org/presentationml/2006/main">
-  <p:cSld>
-    <p:spTree>
-      <p:nvGrpSpPr>
-        <p:cNvPr id="1" name=""/>
-        <p:cNvGrpSpPr/>
-        <p:nvPr/>
-      </p:nvGrpSpPr>
-      <p:grpSpPr>
-        <a:xfrm>
-          <a:off x="0" y="0"/>
-          <a:ext cx="0" cy="0"/>
-          <a:chOff x="0" y="0"/>
-          <a:chExt cx="0" cy="0"/>
-        </a:xfrm>
-      </p:grpSpPr>
-      <p:sp>
-        <p:nvSpPr>
-          <p:cNvPr id="5" name="標題 1"/>
-          <p:cNvSpPr>
-            <a:spLocks noGrp="1"/>
-          </p:cNvSpPr>
-          <p:nvPr>
-            <p:ph type="title"/>
-          </p:nvPr>
-        </p:nvSpPr>
-        <p:spPr>
-          <a:xfrm>
-            <a:off x="2592925" y="624110"/>
-            <a:ext cx="8911687" cy="1280890"/>
-          </a:xfrm>
-        </p:spPr>
-        <p:txBody>
-          <a:bodyPr/>
-          <a:lstStyle/>
-          <a:p>
-            <a:r>
-              <a:rPr lang="zh-TW" altLang="en-US" dirty="0" smtClean="0"/>
-              <a:t>即時心跳信號波形圖</a:t>
-            </a:r>
-            <a:endParaRPr lang="zh-TW" altLang="en-US" dirty="0"/>
-          </a:p>
-        </p:txBody>
-      </p:sp>
-      <p:pic>
-        <p:nvPicPr>
-          <p:cNvPr id="6" name="圖片 5"/>
-          <p:cNvPicPr>
-            <a:picLocks noChangeAspect="1"/>
-          </p:cNvPicPr>
-          <p:nvPr/>
-        </p:nvPicPr>
-        <p:blipFill>
-          <a:blip r:embed="rId2"/>
-          <a:stretch>
-            <a:fillRect/>
-          </a:stretch>
-        </p:blipFill>
-        <p:spPr>
-          <a:xfrm>
-            <a:off x="3113902" y="1841204"/>
-            <a:ext cx="5657850" cy="4286250"/>
-          </a:xfrm>
-          <a:prstGeom prst="rect">
-            <a:avLst/>
-          </a:prstGeom>
-        </p:spPr>
-      </p:pic>
     </p:spTree>
   </p:cSld>
   <p:clrMapOvr>
@@ -8833,292 +8452,6 @@
 </file>
 
 <file path=ppt/slides/slide2.xml><?xml version="1.0" encoding="utf-8"?>
-<p:sld xmlns:a="http://schemas.openxmlformats.org/drawingml/2006/main" xmlns:r="http://schemas.openxmlformats.org/officeDocument/2006/relationships" xmlns:p="http://schemas.openxmlformats.org/presentationml/2006/main">
-  <p:cSld>
-    <p:spTree>
-      <p:nvGrpSpPr>
-        <p:cNvPr id="1" name=""/>
-        <p:cNvGrpSpPr/>
-        <p:nvPr/>
-      </p:nvGrpSpPr>
-      <p:grpSpPr>
-        <a:xfrm>
-          <a:off x="0" y="0"/>
-          <a:ext cx="0" cy="0"/>
-          <a:chOff x="0" y="0"/>
-          <a:chExt cx="0" cy="0"/>
-        </a:xfrm>
-      </p:grpSpPr>
-      <p:sp>
-        <p:nvSpPr>
-          <p:cNvPr id="2" name="標題 1"/>
-          <p:cNvSpPr>
-            <a:spLocks noGrp="1"/>
-          </p:cNvSpPr>
-          <p:nvPr>
-            <p:ph type="title"/>
-          </p:nvPr>
-        </p:nvSpPr>
-        <p:spPr/>
-        <p:txBody>
-          <a:bodyPr/>
-          <a:lstStyle/>
-          <a:p>
-            <a:r>
-              <a:rPr lang="zh-TW" altLang="en-US" dirty="0" smtClean="0">
-                <a:uFillTx/>
-              </a:rPr>
-              <a:t>每週進度與檢核標準</a:t>
-            </a:r>
-            <a:endParaRPr lang="zh-TW" altLang="en-US" dirty="0">
-              <a:uFillTx/>
-            </a:endParaRPr>
-          </a:p>
-        </p:txBody>
-      </p:sp>
-      <p:sp>
-        <p:nvSpPr>
-          <p:cNvPr id="3" name="內容版面配置區 2"/>
-          <p:cNvSpPr>
-            <a:spLocks noGrp="1"/>
-          </p:cNvSpPr>
-          <p:nvPr>
-            <p:ph idx="1"/>
-          </p:nvPr>
-        </p:nvSpPr>
-        <p:spPr>
-          <a:xfrm>
-            <a:off x="2589212" y="1595336"/>
-            <a:ext cx="8915400" cy="4922196"/>
-          </a:xfrm>
-        </p:spPr>
-        <p:txBody>
-          <a:bodyPr>
-            <a:normAutofit lnSpcReduction="10000"/>
-          </a:bodyPr>
-          <a:lstStyle/>
-          <a:p>
-            <a:r>
-              <a:rPr lang="en-US" altLang="zh-TW" dirty="0" smtClean="0"/>
-              <a:t>12</a:t>
-            </a:r>
-            <a:r>
-              <a:rPr lang="en-US" altLang="zh-TW" dirty="0" smtClean="0">
-                <a:uFillTx/>
-              </a:rPr>
-              <a:t>/15</a:t>
-            </a:r>
-          </a:p>
-          <a:p>
-            <a:pPr lvl="1">
-              <a:buFont typeface="Wingdings" panose="05000000000000000000" pitchFamily="2" charset="2"/>
-              <a:buChar char="ü"/>
-            </a:pPr>
-            <a:r>
-              <a:rPr lang="zh-TW" altLang="en-US" dirty="0">
-                <a:uFillTx/>
-              </a:rPr>
-              <a:t>清點材料</a:t>
-            </a:r>
-            <a:endParaRPr lang="en-US" altLang="zh-TW" dirty="0">
-              <a:uFillTx/>
-            </a:endParaRPr>
-          </a:p>
-          <a:p>
-            <a:pPr lvl="1">
-              <a:buFont typeface="Wingdings" panose="05000000000000000000" pitchFamily="2" charset="2"/>
-              <a:buChar char="ü"/>
-            </a:pPr>
-            <a:r>
-              <a:rPr lang="zh-TW" altLang="en-US" dirty="0">
-                <a:uFillTx/>
-              </a:rPr>
-              <a:t>安裝與燒錄基本</a:t>
-            </a:r>
-            <a:r>
-              <a:rPr lang="zh-TW" altLang="en-US" dirty="0" smtClean="0">
-                <a:uFillTx/>
-              </a:rPr>
-              <a:t>程式</a:t>
-            </a:r>
-            <a:endParaRPr lang="en-US" altLang="zh-TW" dirty="0" smtClean="0">
-              <a:uFillTx/>
-            </a:endParaRPr>
-          </a:p>
-          <a:p>
-            <a:r>
-              <a:rPr lang="en-US" altLang="zh-TW" dirty="0" smtClean="0"/>
-              <a:t>12</a:t>
-            </a:r>
-            <a:r>
-              <a:rPr lang="en-US" altLang="zh-TW" dirty="0" smtClean="0">
-                <a:uFillTx/>
-              </a:rPr>
-              <a:t>/22</a:t>
-            </a:r>
-          </a:p>
-          <a:p>
-            <a:pPr lvl="1">
-              <a:buFont typeface="Wingdings" panose="05000000000000000000" pitchFamily="2" charset="2"/>
-              <a:buChar char="ü"/>
-            </a:pPr>
-            <a:r>
-              <a:rPr lang="en-US" altLang="zh-TW" dirty="0" smtClean="0"/>
-              <a:t>Arduino</a:t>
-            </a:r>
-            <a:r>
-              <a:rPr lang="zh-TW" altLang="en-US" dirty="0" smtClean="0"/>
-              <a:t>類比接收</a:t>
-            </a:r>
-            <a:endParaRPr lang="en-US" altLang="zh-TW" dirty="0" smtClean="0"/>
-          </a:p>
-          <a:p>
-            <a:pPr lvl="1">
-              <a:buFont typeface="Wingdings" panose="05000000000000000000" pitchFamily="2" charset="2"/>
-              <a:buChar char="ü"/>
-            </a:pPr>
-            <a:r>
-              <a:rPr lang="en-US" altLang="zh-TW" dirty="0"/>
-              <a:t>S</a:t>
-            </a:r>
-            <a:r>
-              <a:rPr lang="en-US" altLang="zh-TW" dirty="0" smtClean="0"/>
-              <a:t>erial</a:t>
-            </a:r>
-            <a:r>
-              <a:rPr lang="zh-TW" altLang="en-US" dirty="0" smtClean="0">
-                <a:uFillTx/>
-              </a:rPr>
-              <a:t>資料傳遞</a:t>
-            </a:r>
-            <a:endParaRPr lang="en-US" altLang="zh-TW" dirty="0" smtClean="0">
-              <a:uFillTx/>
-            </a:endParaRPr>
-          </a:p>
-          <a:p>
-            <a:r>
-              <a:rPr lang="en-US" altLang="zh-TW" dirty="0" smtClean="0"/>
-              <a:t>12</a:t>
-            </a:r>
-            <a:r>
-              <a:rPr lang="en-US" altLang="zh-TW" dirty="0" smtClean="0">
-                <a:uFillTx/>
-              </a:rPr>
-              <a:t>/29</a:t>
-            </a:r>
-          </a:p>
-          <a:p>
-            <a:pPr lvl="1">
-              <a:buFont typeface="Wingdings" panose="05000000000000000000" pitchFamily="2" charset="2"/>
-              <a:buChar char="ü"/>
-            </a:pPr>
-            <a:r>
-              <a:rPr lang="en-US" altLang="zh-TW" dirty="0" smtClean="0">
-                <a:uFillTx/>
-              </a:rPr>
-              <a:t>Python </a:t>
-            </a:r>
-            <a:r>
-              <a:rPr lang="zh-TW" altLang="en-US" dirty="0" smtClean="0">
-                <a:uFillTx/>
-              </a:rPr>
-              <a:t>信號處理</a:t>
-            </a:r>
-            <a:endParaRPr lang="en-US" altLang="zh-TW" dirty="0" smtClean="0">
-              <a:uFillTx/>
-            </a:endParaRPr>
-          </a:p>
-          <a:p>
-            <a:pPr lvl="1">
-              <a:buFont typeface="Wingdings" panose="05000000000000000000" pitchFamily="2" charset="2"/>
-              <a:buChar char="ü"/>
-            </a:pPr>
-            <a:r>
-              <a:rPr lang="zh-TW" altLang="en-US" dirty="0" smtClean="0">
-                <a:uFillTx/>
-              </a:rPr>
-              <a:t>輸出界面</a:t>
-            </a:r>
-            <a:endParaRPr lang="en-US" altLang="zh-TW" dirty="0" smtClean="0">
-              <a:uFillTx/>
-            </a:endParaRPr>
-          </a:p>
-          <a:p>
-            <a:r>
-              <a:rPr lang="en-US" altLang="zh-TW" dirty="0" smtClean="0"/>
-              <a:t>1</a:t>
-            </a:r>
-            <a:r>
-              <a:rPr lang="en-US" altLang="zh-TW" dirty="0" smtClean="0">
-                <a:uFillTx/>
-              </a:rPr>
-              <a:t>/5</a:t>
-            </a:r>
-          </a:p>
-          <a:p>
-            <a:pPr marL="685800" lvl="2">
-              <a:buFont typeface="Wingdings" panose="05000000000000000000" pitchFamily="2" charset="2"/>
-              <a:buChar char="ü"/>
-            </a:pPr>
-            <a:r>
-              <a:rPr lang="zh-TW" altLang="en-US" sz="1600" dirty="0" smtClean="0"/>
-              <a:t>成品</a:t>
-            </a:r>
-            <a:r>
-              <a:rPr lang="zh-TW" altLang="en-US" sz="1600" dirty="0"/>
-              <a:t>與</a:t>
-            </a:r>
-            <a:r>
-              <a:rPr lang="zh-TW" altLang="en-US" sz="1600" dirty="0">
-                <a:solidFill>
-                  <a:srgbClr val="FF0000"/>
-                </a:solidFill>
-              </a:rPr>
-              <a:t>影片</a:t>
-            </a:r>
-            <a:r>
-              <a:rPr lang="zh-TW" altLang="en-US" sz="1600" dirty="0" smtClean="0"/>
-              <a:t>驗收</a:t>
-            </a:r>
-            <a:endParaRPr lang="en-US" altLang="zh-TW" sz="1600" dirty="0" smtClean="0">
-              <a:uFillTx/>
-            </a:endParaRPr>
-          </a:p>
-          <a:p>
-            <a:r>
-              <a:rPr lang="en-US" altLang="zh-TW" dirty="0" smtClean="0"/>
-              <a:t>1/12</a:t>
-            </a:r>
-            <a:endParaRPr lang="en-US" altLang="zh-TW" dirty="0" smtClean="0">
-              <a:uFillTx/>
-            </a:endParaRPr>
-          </a:p>
-          <a:p>
-            <a:pPr lvl="1">
-              <a:buFont typeface="Wingdings" panose="05000000000000000000" pitchFamily="2" charset="2"/>
-              <a:buChar char="ü"/>
-            </a:pPr>
-            <a:r>
-              <a:rPr lang="zh-TW" altLang="en-US" dirty="0" smtClean="0">
-                <a:uFillTx/>
-              </a:rPr>
-              <a:t>收回材料</a:t>
-            </a:r>
-            <a:endParaRPr lang="zh-TW" altLang="en-US" dirty="0">
-              <a:uFillTx/>
-            </a:endParaRPr>
-          </a:p>
-        </p:txBody>
-      </p:sp>
-    </p:spTree>
-  </p:cSld>
-  <p:clrMapOvr>
-    <a:masterClrMapping/>
-  </p:clrMapOvr>
-</p:sld>
-</file>
-
-<file path=ppt/slides/slide3.xml><?xml version="1.0" encoding="utf-8"?>
 <p:sld xmlns:a="http://schemas.openxmlformats.org/drawingml/2006/main" xmlns:r="http://schemas.openxmlformats.org/officeDocument/2006/relationships" xmlns:p="http://schemas.openxmlformats.org/presentationml/2006/main">
   <p:cSld>
     <p:spTree>
@@ -9688,462 +9021,7 @@
 </p:sld>
 </file>
 
-<file path=ppt/slides/slide4.xml><?xml version="1.0" encoding="utf-8"?>
-<p:sld xmlns:a="http://schemas.openxmlformats.org/drawingml/2006/main" xmlns:r="http://schemas.openxmlformats.org/officeDocument/2006/relationships" xmlns:p="http://schemas.openxmlformats.org/presentationml/2006/main">
-  <p:cSld>
-    <p:spTree>
-      <p:nvGrpSpPr>
-        <p:cNvPr id="1" name=""/>
-        <p:cNvGrpSpPr/>
-        <p:nvPr/>
-      </p:nvGrpSpPr>
-      <p:grpSpPr>
-        <a:xfrm>
-          <a:off x="0" y="0"/>
-          <a:ext cx="0" cy="0"/>
-          <a:chOff x="0" y="0"/>
-          <a:chExt cx="0" cy="0"/>
-        </a:xfrm>
-      </p:grpSpPr>
-      <p:sp>
-        <p:nvSpPr>
-          <p:cNvPr id="2" name="標題 1"/>
-          <p:cNvSpPr>
-            <a:spLocks noGrp="1"/>
-          </p:cNvSpPr>
-          <p:nvPr>
-            <p:ph type="title"/>
-          </p:nvPr>
-        </p:nvSpPr>
-        <p:spPr/>
-        <p:txBody>
-          <a:bodyPr/>
-          <a:lstStyle/>
-          <a:p>
-            <a:r>
-              <a:rPr lang="zh-TW" altLang="en-US" dirty="0" smtClean="0">
-                <a:uFillTx/>
-              </a:rPr>
-              <a:t>實驗目的 </a:t>
-            </a:r>
-            <a:r>
-              <a:rPr lang="en-US" altLang="zh-TW" dirty="0" smtClean="0">
-                <a:uFillTx/>
-              </a:rPr>
-              <a:t>=</a:t>
-            </a:r>
-            <a:r>
-              <a:rPr lang="zh-TW" altLang="en-US" dirty="0" smtClean="0">
-                <a:uFillTx/>
-              </a:rPr>
-              <a:t> 期末驗收</a:t>
-            </a:r>
-            <a:endParaRPr lang="zh-TW" altLang="en-US" dirty="0">
-              <a:uFillTx/>
-            </a:endParaRPr>
-          </a:p>
-        </p:txBody>
-      </p:sp>
-      <p:sp>
-        <p:nvSpPr>
-          <p:cNvPr id="3" name="內容版面配置區 2"/>
-          <p:cNvSpPr>
-            <a:spLocks noGrp="1"/>
-          </p:cNvSpPr>
-          <p:nvPr>
-            <p:ph idx="1"/>
-          </p:nvPr>
-        </p:nvSpPr>
-        <p:spPr/>
-        <p:txBody>
-          <a:bodyPr>
-            <a:normAutofit lnSpcReduction="10000"/>
-          </a:bodyPr>
-          <a:lstStyle/>
-          <a:p>
-            <a:pPr>
-              <a:buFont typeface="Wingdings" panose="05000000000000000000" pitchFamily="2" charset="2"/>
-              <a:buChar char="ü"/>
-            </a:pPr>
-            <a:r>
-              <a:rPr lang="zh-TW" altLang="en-US" dirty="0" smtClean="0"/>
-              <a:t>心率計算</a:t>
-            </a:r>
-            <a:r>
-              <a:rPr lang="zh-TW" altLang="en-US" dirty="0" smtClean="0">
-                <a:uFillTx/>
-              </a:rPr>
-              <a:t>                               </a:t>
-            </a:r>
-            <a:r>
-              <a:rPr lang="en-US" altLang="zh-TW" dirty="0">
-                <a:solidFill>
-                  <a:srgbClr val="FF0000"/>
-                </a:solidFill>
-                <a:uFillTx/>
-              </a:rPr>
-              <a:t>5</a:t>
-            </a:r>
-            <a:r>
-              <a:rPr lang="en-US" altLang="zh-TW" dirty="0" smtClean="0">
-                <a:solidFill>
-                  <a:srgbClr val="FF0000"/>
-                </a:solidFill>
-                <a:uFillTx/>
-              </a:rPr>
-              <a:t>0</a:t>
-            </a:r>
-            <a:r>
-              <a:rPr lang="zh-TW" altLang="en-US" dirty="0" smtClean="0">
-                <a:solidFill>
-                  <a:srgbClr val="FF0000"/>
-                </a:solidFill>
-                <a:uFillTx/>
-              </a:rPr>
-              <a:t>分</a:t>
-            </a:r>
-            <a:endParaRPr lang="en-US" altLang="zh-TW" dirty="0" smtClean="0">
-              <a:solidFill>
-                <a:srgbClr val="FF0000"/>
-              </a:solidFill>
-              <a:uFillTx/>
-            </a:endParaRPr>
-          </a:p>
-          <a:p>
-            <a:pPr>
-              <a:buFont typeface="Wingdings" panose="05000000000000000000" pitchFamily="2" charset="2"/>
-              <a:buChar char="ü"/>
-            </a:pPr>
-            <a:r>
-              <a:rPr lang="zh-TW" altLang="en-US" dirty="0" smtClean="0"/>
-              <a:t>心跳信號波形顯示                 </a:t>
-            </a:r>
-            <a:r>
-              <a:rPr lang="en-US" altLang="zh-TW" dirty="0" smtClean="0">
-                <a:solidFill>
-                  <a:srgbClr val="FF0000"/>
-                </a:solidFill>
-                <a:uFillTx/>
-              </a:rPr>
-              <a:t>65</a:t>
-            </a:r>
-            <a:r>
-              <a:rPr lang="zh-TW" altLang="en-US" dirty="0" smtClean="0">
-                <a:solidFill>
-                  <a:srgbClr val="FF0000"/>
-                </a:solidFill>
-                <a:uFillTx/>
-              </a:rPr>
-              <a:t>分</a:t>
-            </a:r>
-            <a:endParaRPr lang="en-US" altLang="zh-TW" dirty="0" smtClean="0">
-              <a:solidFill>
-                <a:srgbClr val="FF0000"/>
-              </a:solidFill>
-              <a:uFillTx/>
-            </a:endParaRPr>
-          </a:p>
-          <a:p>
-            <a:pPr>
-              <a:buFont typeface="Wingdings" panose="05000000000000000000" pitchFamily="2" charset="2"/>
-              <a:buChar char="ü"/>
-            </a:pPr>
-            <a:r>
-              <a:rPr lang="zh-TW" altLang="en-US" dirty="0"/>
-              <a:t>心跳</a:t>
-            </a:r>
-            <a:r>
-              <a:rPr lang="zh-TW" altLang="en-US" dirty="0" smtClean="0"/>
-              <a:t>信號波形即時顯示</a:t>
-            </a:r>
-            <a:r>
-              <a:rPr lang="zh-TW" altLang="en-US" dirty="0" smtClean="0">
-                <a:uFillTx/>
-              </a:rPr>
-              <a:t>        </a:t>
-            </a:r>
-            <a:r>
-              <a:rPr lang="en-US" altLang="zh-TW" dirty="0">
-                <a:uFillTx/>
-              </a:rPr>
-              <a:t>	</a:t>
-            </a:r>
-            <a:r>
-              <a:rPr lang="en-US" altLang="zh-TW" sz="3200" dirty="0" smtClean="0">
-                <a:solidFill>
-                  <a:srgbClr val="FF0000"/>
-                </a:solidFill>
-                <a:uFillTx/>
-              </a:rPr>
-              <a:t>80UP</a:t>
-            </a:r>
-            <a:r>
-              <a:rPr lang="zh-TW" altLang="en-US" sz="3200" dirty="0" smtClean="0">
-                <a:solidFill>
-                  <a:srgbClr val="FF0000"/>
-                </a:solidFill>
-                <a:uFillTx/>
-              </a:rPr>
-              <a:t> </a:t>
-            </a:r>
-            <a:r>
-              <a:rPr lang="en-US" altLang="zh-TW" dirty="0" smtClean="0">
-                <a:uFillTx/>
-              </a:rPr>
-              <a:t>	</a:t>
-            </a:r>
-          </a:p>
-          <a:p>
-            <a:pPr>
-              <a:buFont typeface="Wingdings" panose="05000000000000000000" pitchFamily="2" charset="2"/>
-              <a:buChar char="ü"/>
-            </a:pPr>
-            <a:endParaRPr lang="en-US" altLang="zh-TW" dirty="0" smtClean="0">
-              <a:uFillTx/>
-            </a:endParaRPr>
-          </a:p>
-          <a:p>
-            <a:pPr>
-              <a:buFont typeface="Wingdings" panose="05000000000000000000" pitchFamily="2" charset="2"/>
-              <a:buChar char="ü"/>
-            </a:pPr>
-            <a:r>
-              <a:rPr lang="zh-TW" altLang="en-US" dirty="0" smtClean="0">
-                <a:solidFill>
-                  <a:schemeClr val="tx1"/>
-                </a:solidFill>
-                <a:uFillTx/>
-              </a:rPr>
-              <a:t>自行</a:t>
-            </a:r>
-            <a:r>
-              <a:rPr lang="zh-TW" altLang="en-US" dirty="0">
-                <a:solidFill>
-                  <a:schemeClr val="tx1"/>
-                </a:solidFill>
-                <a:uFillTx/>
-              </a:rPr>
-              <a:t>增加</a:t>
-            </a:r>
-            <a:r>
-              <a:rPr lang="zh-TW" altLang="en-US" dirty="0" smtClean="0">
-                <a:solidFill>
-                  <a:schemeClr val="tx1"/>
-                </a:solidFill>
-                <a:uFillTx/>
-              </a:rPr>
-              <a:t>功能                        </a:t>
-            </a:r>
-            <a:r>
-              <a:rPr lang="zh-TW" altLang="en-US" dirty="0" smtClean="0">
-                <a:solidFill>
-                  <a:srgbClr val="FF0000"/>
-                </a:solidFill>
-                <a:uFillTx/>
-              </a:rPr>
-              <a:t>每項</a:t>
-            </a:r>
-            <a:r>
-              <a:rPr lang="en-US" altLang="zh-TW" dirty="0" smtClean="0">
-                <a:solidFill>
-                  <a:srgbClr val="FF0000"/>
-                </a:solidFill>
-                <a:uFillTx/>
-              </a:rPr>
-              <a:t>3-5</a:t>
-            </a:r>
-            <a:r>
-              <a:rPr lang="zh-TW" altLang="en-US" dirty="0" smtClean="0">
-                <a:solidFill>
-                  <a:srgbClr val="FF0000"/>
-                </a:solidFill>
-                <a:uFillTx/>
-              </a:rPr>
-              <a:t>分</a:t>
-            </a:r>
-            <a:endParaRPr lang="en-US" altLang="zh-TW" dirty="0" smtClean="0">
-              <a:solidFill>
-                <a:srgbClr val="FF0000"/>
-              </a:solidFill>
-              <a:uFillTx/>
-            </a:endParaRPr>
-          </a:p>
-          <a:p>
-            <a:pPr>
-              <a:buFont typeface="Wingdings" panose="05000000000000000000" pitchFamily="2" charset="2"/>
-              <a:buChar char="ü"/>
-            </a:pPr>
-            <a:r>
-              <a:rPr lang="zh-TW" altLang="en-US" dirty="0" smtClean="0">
-                <a:solidFill>
-                  <a:schemeClr val="tx1"/>
-                </a:solidFill>
-              </a:rPr>
-              <a:t>系統穩定</a:t>
-            </a:r>
-            <a:r>
-              <a:rPr lang="zh-TW" altLang="en-US" dirty="0">
-                <a:solidFill>
-                  <a:schemeClr val="tx1"/>
-                </a:solidFill>
-              </a:rPr>
-              <a:t>度</a:t>
-            </a:r>
-            <a:r>
-              <a:rPr lang="zh-TW" altLang="en-US" dirty="0" smtClean="0">
-                <a:solidFill>
-                  <a:schemeClr val="tx1"/>
-                </a:solidFill>
-                <a:uFillTx/>
-              </a:rPr>
-              <a:t>                            </a:t>
-            </a:r>
-            <a:r>
-              <a:rPr lang="en-US" altLang="zh-TW" dirty="0" smtClean="0">
-                <a:solidFill>
-                  <a:srgbClr val="FF0000"/>
-                </a:solidFill>
-                <a:uFillTx/>
-              </a:rPr>
-              <a:t>0-5</a:t>
-            </a:r>
-            <a:r>
-              <a:rPr lang="zh-TW" altLang="en-US" dirty="0" smtClean="0">
-                <a:solidFill>
-                  <a:srgbClr val="FF0000"/>
-                </a:solidFill>
-                <a:uFillTx/>
-              </a:rPr>
-              <a:t>分</a:t>
-            </a:r>
-            <a:endParaRPr lang="en-US" altLang="zh-TW" dirty="0" smtClean="0">
-              <a:solidFill>
-                <a:schemeClr val="tx1"/>
-              </a:solidFill>
-              <a:uFillTx/>
-            </a:endParaRPr>
-          </a:p>
-          <a:p>
-            <a:pPr>
-              <a:buFont typeface="Wingdings" panose="05000000000000000000" pitchFamily="2" charset="2"/>
-              <a:buChar char="ü"/>
-            </a:pPr>
-            <a:endParaRPr lang="en-US" altLang="zh-TW" dirty="0">
-              <a:solidFill>
-                <a:srgbClr val="FF0000"/>
-              </a:solidFill>
-              <a:uFillTx/>
-            </a:endParaRPr>
-          </a:p>
-          <a:p>
-            <a:pPr>
-              <a:buFont typeface="Wingdings" panose="05000000000000000000" pitchFamily="2" charset="2"/>
-              <a:buChar char="ü"/>
-            </a:pPr>
-            <a:r>
-              <a:rPr lang="zh-TW" altLang="en-US" dirty="0" smtClean="0">
-                <a:solidFill>
-                  <a:schemeClr val="tx1"/>
-                </a:solidFill>
-                <a:uFillTx/>
-              </a:rPr>
-              <a:t>影片</a:t>
-            </a:r>
-            <a:r>
-              <a:rPr lang="zh-TW" altLang="en-US" dirty="0" smtClean="0">
-                <a:solidFill>
-                  <a:srgbClr val="FF0000"/>
-                </a:solidFill>
-                <a:uFillTx/>
-              </a:rPr>
-              <a:t>必須</a:t>
-            </a:r>
-            <a:r>
-              <a:rPr lang="zh-TW" altLang="en-US" dirty="0" smtClean="0">
-                <a:solidFill>
-                  <a:schemeClr val="tx1"/>
-                </a:solidFill>
-                <a:uFillTx/>
-              </a:rPr>
-              <a:t>繳交</a:t>
-            </a:r>
-            <a:r>
-              <a:rPr lang="zh-TW" altLang="en-US" dirty="0" smtClean="0">
-                <a:solidFill>
-                  <a:srgbClr val="FF0000"/>
-                </a:solidFill>
-                <a:uFillTx/>
-              </a:rPr>
-              <a:t>                        </a:t>
-            </a:r>
-            <a:r>
-              <a:rPr lang="en-US" altLang="zh-TW" dirty="0" smtClean="0">
-                <a:solidFill>
-                  <a:srgbClr val="FF0000"/>
-                </a:solidFill>
-                <a:uFillTx/>
-              </a:rPr>
-              <a:t>5-10</a:t>
-            </a:r>
-            <a:r>
-              <a:rPr lang="zh-TW" altLang="en-US" dirty="0" smtClean="0">
-                <a:solidFill>
-                  <a:srgbClr val="FF0000"/>
-                </a:solidFill>
-                <a:uFillTx/>
-              </a:rPr>
-              <a:t>分</a:t>
-            </a:r>
-            <a:endParaRPr lang="en-US" altLang="zh-TW" dirty="0">
-              <a:solidFill>
-                <a:srgbClr val="FF0000"/>
-              </a:solidFill>
-              <a:uFillTx/>
-            </a:endParaRPr>
-          </a:p>
-          <a:p>
-            <a:pPr marL="0" indent="0">
-              <a:buNone/>
-            </a:pPr>
-            <a:r>
-              <a:rPr lang="zh-TW" altLang="en-US" dirty="0" smtClean="0">
-                <a:uFillTx/>
-              </a:rPr>
-              <a:t>   </a:t>
-            </a:r>
-            <a:endParaRPr lang="en-US" altLang="zh-TW" dirty="0" smtClean="0">
-              <a:uFillTx/>
-            </a:endParaRPr>
-          </a:p>
-          <a:p>
-            <a:pPr>
-              <a:buFont typeface="Wingdings" panose="05000000000000000000" pitchFamily="2" charset="2"/>
-              <a:buChar char="ü"/>
-            </a:pPr>
-            <a:endParaRPr lang="en-US" altLang="zh-TW" dirty="0" smtClean="0">
-              <a:uFillTx/>
-            </a:endParaRPr>
-          </a:p>
-          <a:p>
-            <a:pPr>
-              <a:buFont typeface="Wingdings" panose="05000000000000000000" pitchFamily="2" charset="2"/>
-              <a:buChar char="ü"/>
-            </a:pPr>
-            <a:endParaRPr lang="zh-TW" altLang="en-US" dirty="0">
-              <a:uFillTx/>
-            </a:endParaRPr>
-          </a:p>
-        </p:txBody>
-      </p:sp>
-    </p:spTree>
-  </p:cSld>
-  <p:clrMapOvr>
-    <a:masterClrMapping/>
-  </p:clrMapOvr>
-</p:sld>
-</file>
-
-<file path=ppt/slides/slide5.xml><?xml version="1.0" encoding="utf-8"?>
+<file path=ppt/slides/slide3.xml><?xml version="1.0" encoding="utf-8"?>
 <p:sld xmlns:a="http://schemas.openxmlformats.org/drawingml/2006/main" xmlns:r="http://schemas.openxmlformats.org/officeDocument/2006/relationships" xmlns:p="http://schemas.openxmlformats.org/presentationml/2006/main">
   <p:cSld>
     <p:spTree>
@@ -10221,7 +9099,7 @@
 </p:sld>
 </file>
 
-<file path=ppt/slides/slide6.xml><?xml version="1.0" encoding="utf-8"?>
+<file path=ppt/slides/slide4.xml><?xml version="1.0" encoding="utf-8"?>
 <p:sld xmlns:a="http://schemas.openxmlformats.org/drawingml/2006/main" xmlns:r="http://schemas.openxmlformats.org/officeDocument/2006/relationships" xmlns:p="http://schemas.openxmlformats.org/presentationml/2006/main">
   <p:cSld>
     <p:spTree>
@@ -10385,7 +9263,7 @@
 </p:sld>
 </file>
 
-<file path=ppt/slides/slide7.xml><?xml version="1.0" encoding="utf-8"?>
+<file path=ppt/slides/slide5.xml><?xml version="1.0" encoding="utf-8"?>
 <p:sld xmlns:a="http://schemas.openxmlformats.org/drawingml/2006/main" xmlns:r="http://schemas.openxmlformats.org/officeDocument/2006/relationships" xmlns:p="http://schemas.openxmlformats.org/presentationml/2006/main">
   <p:cSld>
     <p:spTree>
@@ -10418,168 +9296,8 @@
           <a:lstStyle/>
           <a:p>
             <a:r>
-              <a:rPr lang="zh-TW" altLang="en-US" dirty="0" smtClean="0">
-                <a:uFillTx/>
-              </a:rPr>
-              <a:t>透過</a:t>
-            </a:r>
-            <a:r>
-              <a:rPr lang="en-US" altLang="zh-TW" dirty="0" smtClean="0">
-                <a:uFillTx/>
-              </a:rPr>
-              <a:t>USB</a:t>
-            </a:r>
-            <a:r>
-              <a:rPr lang="zh-TW" altLang="en-US" dirty="0" smtClean="0">
-                <a:uFillTx/>
-              </a:rPr>
-              <a:t>連</a:t>
-            </a:r>
-            <a:r>
-              <a:rPr lang="zh-TW" altLang="en-US" dirty="0">
-                <a:uFillTx/>
-              </a:rPr>
-              <a:t>結</a:t>
-            </a:r>
-            <a:r>
-              <a:rPr lang="en-US" altLang="zh-TW" dirty="0" err="1" smtClean="0">
-                <a:uFillTx/>
-              </a:rPr>
-              <a:t>arduino</a:t>
-            </a:r>
-            <a:r>
-              <a:rPr lang="zh-TW" altLang="en-US" dirty="0" smtClean="0">
-                <a:uFillTx/>
-              </a:rPr>
-              <a:t>與電腦</a:t>
-            </a:r>
-            <a:endParaRPr lang="zh-TW" altLang="en-US" dirty="0">
-              <a:uFillTx/>
-            </a:endParaRPr>
-          </a:p>
-        </p:txBody>
-      </p:sp>
-      <p:pic>
-        <p:nvPicPr>
-          <p:cNvPr id="4" name="內容版面配置區 3"/>
-          <p:cNvPicPr>
-            <a:picLocks noGrp="1" noChangeAspect="1"/>
-          </p:cNvPicPr>
-          <p:nvPr>
-            <p:ph idx="1"/>
-          </p:nvPr>
-        </p:nvPicPr>
-        <p:blipFill>
-          <a:blip r:embed="rId2"/>
-          <a:stretch>
-            <a:fillRect/>
-          </a:stretch>
-        </p:blipFill>
-        <p:spPr>
-          <a:xfrm>
-            <a:off x="2940346" y="1400740"/>
-            <a:ext cx="6610702" cy="4805505"/>
-          </a:xfrm>
-          <a:prstGeom prst="rect">
-            <a:avLst/>
-          </a:prstGeom>
-        </p:spPr>
-      </p:pic>
-      <p:sp>
-        <p:nvSpPr>
-          <p:cNvPr id="5" name="矩形 4"/>
-          <p:cNvSpPr>
-            <a:spLocks/>
-          </p:cNvSpPr>
-          <p:nvPr/>
-        </p:nvSpPr>
-        <p:spPr>
-          <a:xfrm>
-            <a:off x="3305378" y="4757029"/>
-            <a:ext cx="1533525" cy="359721"/>
-          </a:xfrm>
-          <a:prstGeom prst="rect">
-            <a:avLst/>
-          </a:prstGeom>
-          <a:noFill/>
-          <a:ln w="57150">
-            <a:solidFill>
-              <a:srgbClr val="FF0000"/>
-            </a:solidFill>
-          </a:ln>
-        </p:spPr>
-        <p:style>
-          <a:lnRef idx="2">
-            <a:schemeClr val="accent1">
-              <a:shade val="50000"/>
-            </a:schemeClr>
-          </a:lnRef>
-          <a:fillRef idx="1">
-            <a:schemeClr val="accent1"/>
-          </a:fillRef>
-          <a:effectRef idx="0">
-            <a:schemeClr val="accent1"/>
-          </a:effectRef>
-          <a:fontRef idx="minor">
-            <a:schemeClr val="lt1"/>
-          </a:fontRef>
-        </p:style>
-        <p:txBody>
-          <a:bodyPr rtlCol="0" anchor="ctr"/>
-          <a:lstStyle/>
-          <a:p>
-            <a:pPr algn="ctr"/>
-            <a:endParaRPr lang="zh-TW" altLang="en-US">
-              <a:uFillTx/>
-            </a:endParaRPr>
-          </a:p>
-        </p:txBody>
-      </p:sp>
-    </p:spTree>
-  </p:cSld>
-  <p:clrMapOvr>
-    <a:masterClrMapping/>
-  </p:clrMapOvr>
-</p:sld>
-</file>
-
-<file path=ppt/slides/slide8.xml><?xml version="1.0" encoding="utf-8"?>
-<p:sld xmlns:a="http://schemas.openxmlformats.org/drawingml/2006/main" xmlns:r="http://schemas.openxmlformats.org/officeDocument/2006/relationships" xmlns:p="http://schemas.openxmlformats.org/presentationml/2006/main">
-  <p:cSld>
-    <p:spTree>
-      <p:nvGrpSpPr>
-        <p:cNvPr id="1" name=""/>
-        <p:cNvGrpSpPr/>
-        <p:nvPr/>
-      </p:nvGrpSpPr>
-      <p:grpSpPr>
-        <a:xfrm>
-          <a:off x="0" y="0"/>
-          <a:ext cx="0" cy="0"/>
-          <a:chOff x="0" y="0"/>
-          <a:chExt cx="0" cy="0"/>
-        </a:xfrm>
-      </p:grpSpPr>
-      <p:sp>
-        <p:nvSpPr>
-          <p:cNvPr id="2" name="標題 1"/>
-          <p:cNvSpPr>
-            <a:spLocks noGrp="1"/>
-          </p:cNvSpPr>
-          <p:nvPr>
-            <p:ph type="title"/>
-          </p:nvPr>
-        </p:nvSpPr>
-        <p:spPr/>
-        <p:txBody>
-          <a:bodyPr/>
-          <a:lstStyle/>
-          <a:p>
-            <a:r>
-              <a:rPr lang="zh-TW" altLang="en-US" dirty="0" smtClean="0">
-                <a:uFillTx/>
-              </a:rPr>
-              <a:t>馬上寫個程式來試試</a:t>
+              <a:rPr lang="en-US" altLang="zh-TW" dirty="0"/>
+              <a:t>KSM014_HeartBeat_Module</a:t>
             </a:r>
             <a:endParaRPr lang="zh-TW" altLang="en-US" dirty="0">
               <a:uFillTx/>
@@ -10603,8 +9321,8 @@
         </p:blipFill>
         <p:spPr>
           <a:xfrm>
-            <a:off x="2778124" y="1375248"/>
-            <a:ext cx="4268788" cy="5143327"/>
+            <a:off x="2871658" y="5106943"/>
+            <a:ext cx="4615765" cy="923153"/>
           </a:xfrm>
           <a:prstGeom prst="rect">
             <a:avLst/>
@@ -10627,8 +9345,8 @@
         </p:blipFill>
         <p:spPr>
           <a:xfrm>
-            <a:off x="7332814" y="1731321"/>
-            <a:ext cx="3885896" cy="4217170"/>
+            <a:off x="2871659" y="1588136"/>
+            <a:ext cx="4427066" cy="3385072"/>
           </a:xfrm>
           <a:prstGeom prst="rect">
             <a:avLst/>
@@ -10640,10 +9358,17 @@
   <p:clrMapOvr>
     <a:masterClrMapping/>
   </p:clrMapOvr>
+  <p:timing>
+    <p:tnLst>
+      <p:par>
+        <p:cTn id="1" dur="indefinite" restart="never" nodeType="tmRoot"/>
+      </p:par>
+    </p:tnLst>
+  </p:timing>
 </p:sld>
 </file>
 
-<file path=ppt/slides/slide9.xml><?xml version="1.0" encoding="utf-8"?>
+<file path=ppt/slides/slide6.xml><?xml version="1.0" encoding="utf-8"?>
 <p:sld xmlns:a="http://schemas.openxmlformats.org/drawingml/2006/main" xmlns:r="http://schemas.openxmlformats.org/officeDocument/2006/relationships" xmlns:p="http://schemas.openxmlformats.org/presentationml/2006/main">
   <p:cSld>
     <p:spTree>
@@ -10676,16 +9401,12 @@
           <a:lstStyle/>
           <a:p>
             <a:r>
-              <a:rPr lang="zh-TW" altLang="en-US" dirty="0" smtClean="0">
-                <a:uFillTx/>
-              </a:rPr>
-              <a:t>千萬不要忘記接線，好好回想電子實驗吧</a:t>
-            </a:r>
-            <a:r>
-              <a:rPr lang="en-US" altLang="zh-TW" dirty="0" smtClean="0">
-                <a:uFillTx/>
-              </a:rPr>
-              <a:t>!</a:t>
+              <a:rPr lang="en-US" altLang="zh-TW" dirty="0"/>
+              <a:t>Arduino</a:t>
+            </a:r>
+            <a:r>
+              <a:rPr lang="zh-TW" altLang="en-US" dirty="0"/>
+              <a:t>類比接收</a:t>
             </a:r>
             <a:endParaRPr lang="zh-TW" altLang="en-US" dirty="0">
               <a:uFillTx/>
@@ -10695,13 +9416,99 @@
       </p:sp>
       <p:pic>
         <p:nvPicPr>
-          <p:cNvPr id="4" name="內容版面配置區 3"/>
+          <p:cNvPr id="3" name="圖片 2"/>
           <p:cNvPicPr>
-            <a:picLocks noGrp="1" noChangeAspect="1"/>
+            <a:picLocks noChangeAspect="1"/>
           </p:cNvPicPr>
-          <p:nvPr>
-            <p:ph idx="1"/>
-          </p:nvPr>
+          <p:nvPr/>
+        </p:nvPicPr>
+        <p:blipFill rotWithShape="1">
+          <a:blip r:embed="rId2"/>
+          <a:srcRect r="6119" b="12193"/>
+          <a:stretch/>
+        </p:blipFill>
+        <p:spPr>
+          <a:xfrm>
+            <a:off x="2938914" y="1381990"/>
+            <a:ext cx="7347689" cy="5150614"/>
+          </a:xfrm>
+          <a:prstGeom prst="rect">
+            <a:avLst/>
+          </a:prstGeom>
+        </p:spPr>
+      </p:pic>
+    </p:spTree>
+    <p:extLst>
+      <p:ext uri="{BB962C8B-B14F-4D97-AF65-F5344CB8AC3E}">
+        <p14:creationId xmlns:p14="http://schemas.microsoft.com/office/powerpoint/2010/main" val="1101295753"/>
+      </p:ext>
+    </p:extLst>
+  </p:cSld>
+  <p:clrMapOvr>
+    <a:masterClrMapping/>
+  </p:clrMapOvr>
+  <p:timing>
+    <p:tnLst>
+      <p:par>
+        <p:cTn id="1" dur="indefinite" restart="never" nodeType="tmRoot"/>
+      </p:par>
+    </p:tnLst>
+  </p:timing>
+</p:sld>
+</file>
+
+<file path=ppt/slides/slide7.xml><?xml version="1.0" encoding="utf-8"?>
+<p:sld xmlns:a="http://schemas.openxmlformats.org/drawingml/2006/main" xmlns:r="http://schemas.openxmlformats.org/officeDocument/2006/relationships" xmlns:p="http://schemas.openxmlformats.org/presentationml/2006/main">
+  <p:cSld>
+    <p:spTree>
+      <p:nvGrpSpPr>
+        <p:cNvPr id="1" name=""/>
+        <p:cNvGrpSpPr/>
+        <p:nvPr/>
+      </p:nvGrpSpPr>
+      <p:grpSpPr>
+        <a:xfrm>
+          <a:off x="0" y="0"/>
+          <a:ext cx="0" cy="0"/>
+          <a:chOff x="0" y="0"/>
+          <a:chExt cx="0" cy="0"/>
+        </a:xfrm>
+      </p:grpSpPr>
+      <p:sp>
+        <p:nvSpPr>
+          <p:cNvPr id="5" name="標題 1"/>
+          <p:cNvSpPr>
+            <a:spLocks noGrp="1"/>
+          </p:cNvSpPr>
+          <p:nvPr>
+            <p:ph type="title"/>
+          </p:nvPr>
+        </p:nvSpPr>
+        <p:spPr>
+          <a:xfrm>
+            <a:off x="2592925" y="624110"/>
+            <a:ext cx="8911687" cy="1280890"/>
+          </a:xfrm>
+        </p:spPr>
+        <p:txBody>
+          <a:bodyPr/>
+          <a:lstStyle/>
+          <a:p>
+            <a:r>
+              <a:rPr lang="zh-TW" altLang="en-US" dirty="0" smtClean="0"/>
+              <a:t>即時心跳信號波形圖</a:t>
+            </a:r>
+            <a:endParaRPr lang="zh-TW" altLang="en-US" dirty="0"/>
+          </a:p>
+        </p:txBody>
+      </p:sp>
+      <p:pic>
+        <p:nvPicPr>
+          <p:cNvPr id="6" name="圖片 5"/>
+          <p:cNvPicPr>
+            <a:picLocks noChangeAspect="1"/>
+          </p:cNvPicPr>
+          <p:nvPr/>
         </p:nvPicPr>
         <p:blipFill>
           <a:blip r:embed="rId2"/>
@@ -10711,32 +9518,8 @@
         </p:blipFill>
         <p:spPr>
           <a:xfrm>
-            <a:off x="7414790" y="1350692"/>
-            <a:ext cx="3693688" cy="4776322"/>
-          </a:xfrm>
-          <a:prstGeom prst="rect">
-            <a:avLst/>
-          </a:prstGeom>
-        </p:spPr>
-      </p:pic>
-      <p:pic>
-        <p:nvPicPr>
-          <p:cNvPr id="5" name="圖片 4"/>
-          <p:cNvPicPr>
-            <a:picLocks noChangeAspect="1"/>
-          </p:cNvPicPr>
-          <p:nvPr/>
-        </p:nvPicPr>
-        <p:blipFill>
-          <a:blip r:embed="rId3"/>
-          <a:stretch>
-            <a:fillRect/>
-          </a:stretch>
-        </p:blipFill>
-        <p:spPr>
-          <a:xfrm>
-            <a:off x="3060910" y="1630268"/>
-            <a:ext cx="3885896" cy="4217170"/>
+            <a:off x="3113902" y="1841204"/>
+            <a:ext cx="5657850" cy="4286250"/>
           </a:xfrm>
           <a:prstGeom prst="rect">
             <a:avLst/>
